--- a/Slides/UPAI2020_3.pptx
+++ b/Slides/UPAI2020_3.pptx
@@ -47,25 +47,25 @@
   <p:notesSz cx="6858000" cy="9144000"/>
   <p:embeddedFontLst>
     <p:embeddedFont>
-      <p:font typeface="Roboto Condensed Light" panose="020B0604020202020204" charset="0"/>
+      <p:font typeface="Arvo" panose="020B0604020202020204" charset="0"/>
       <p:regular r:id="rId37"/>
       <p:bold r:id="rId38"/>
       <p:italic r:id="rId39"/>
       <p:boldItalic r:id="rId40"/>
     </p:embeddedFont>
     <p:embeddedFont>
-      <p:font typeface="Roboto Condensed" panose="020B0604020202020204" charset="0"/>
+      <p:font typeface="Cambria Math" panose="02040503050406030204" pitchFamily="18" charset="0"/>
       <p:regular r:id="rId41"/>
-      <p:bold r:id="rId42"/>
-      <p:italic r:id="rId43"/>
-      <p:boldItalic r:id="rId44"/>
     </p:embeddedFont>
     <p:embeddedFont>
-      <p:font typeface="Cambria Math" panose="02040503050406030204" pitchFamily="18" charset="0"/>
-      <p:regular r:id="rId45"/>
+      <p:font typeface="Roboto Condensed" panose="020B0604020202020204" charset="0"/>
+      <p:regular r:id="rId42"/>
+      <p:bold r:id="rId43"/>
+      <p:italic r:id="rId44"/>
+      <p:boldItalic r:id="rId45"/>
     </p:embeddedFont>
     <p:embeddedFont>
-      <p:font typeface="Arvo" panose="020B0604020202020204" charset="0"/>
+      <p:font typeface="Roboto Condensed Light" panose="020B0604020202020204" charset="0"/>
       <p:regular r:id="rId46"/>
       <p:bold r:id="rId47"/>
       <p:italic r:id="rId48"/>
@@ -2530,7 +2530,7 @@
             </a:pPr>
             <a:fld id="{00000000-1234-1234-1234-123412341234}" type="slidenum">
               <a:rPr lang="en"/>
-              <a:t>‹Nº›</a:t>
+              <a:t>‹#›</a:t>
             </a:fld>
             <a:endParaRPr/>
           </a:p>
@@ -3407,7 +3407,7 @@
             </a:pPr>
             <a:fld id="{00000000-1234-1234-1234-123412341234}" type="slidenum">
               <a:rPr lang="en"/>
-              <a:t>‹Nº›</a:t>
+              <a:t>‹#›</a:t>
             </a:fld>
             <a:endParaRPr/>
           </a:p>
@@ -3562,7 +3562,7 @@
           <a:p>
             <a:fld id="{FCDD6BAC-CCD5-4E98-95CD-357AD7155BD4}" type="slidenum">
               <a:rPr lang="en-US" smtClean="0"/>
-              <a:t>‹Nº›</a:t>
+              <a:t>‹#›</a:t>
             </a:fld>
             <a:endParaRPr lang="en-US"/>
           </a:p>
@@ -4368,7 +4368,7 @@
               <a:defRPr/>
             </a:pPr>
             <a:r>
-              <a:rPr lang="en-US" sz="900" kern="1200" dirty="0" smtClean="0">
+              <a:rPr lang="en-US" sz="900" kern="1200" dirty="0">
                 <a:solidFill>
                   <a:schemeClr val="bg1"/>
                 </a:solidFill>
@@ -4378,14 +4378,6 @@
               </a:rPr>
               <a:t>Leon Palafox</a:t>
             </a:r>
-            <a:endParaRPr lang="en-US" sz="900" kern="1200" dirty="0">
-              <a:solidFill>
-                <a:schemeClr val="bg1"/>
-              </a:solidFill>
-              <a:latin typeface="Arial" charset="0"/>
-              <a:ea typeface="+mn-ea"/>
-              <a:cs typeface="Arial" charset="0"/>
-            </a:endParaRPr>
           </a:p>
         </p:txBody>
       </p:sp>
@@ -4428,35 +4420,35 @@
           <a:p>
             <a:pPr lvl="0"/>
             <a:r>
-              <a:rPr lang="es-ES" smtClean="0"/>
+              <a:rPr lang="es-ES"/>
               <a:t>Editar el estilo de texto del patrón</a:t>
             </a:r>
           </a:p>
           <a:p>
             <a:pPr lvl="1"/>
             <a:r>
-              <a:rPr lang="es-ES" smtClean="0"/>
+              <a:rPr lang="es-ES"/>
               <a:t>Segundo nivel</a:t>
             </a:r>
           </a:p>
           <a:p>
             <a:pPr lvl="2"/>
             <a:r>
-              <a:rPr lang="es-ES" smtClean="0"/>
+              <a:rPr lang="es-ES"/>
               <a:t>Tercer nivel</a:t>
             </a:r>
           </a:p>
           <a:p>
             <a:pPr lvl="3"/>
             <a:r>
-              <a:rPr lang="es-ES" smtClean="0"/>
+              <a:rPr lang="es-ES"/>
               <a:t>Cuarto nivel</a:t>
             </a:r>
           </a:p>
           <a:p>
             <a:pPr lvl="4"/>
             <a:r>
-              <a:rPr lang="es-ES" smtClean="0"/>
+              <a:rPr lang="es-ES"/>
               <a:t>Quinto nivel</a:t>
             </a:r>
             <a:endParaRPr lang="en-US" dirty="0"/>
@@ -4492,7 +4484,7 @@
           </a:lstStyle>
           <a:p>
             <a:r>
-              <a:rPr lang="es-ES" smtClean="0"/>
+              <a:rPr lang="es-ES"/>
               <a:t>Haga clic para modificar el estilo de título del patrón</a:t>
             </a:r>
             <a:endParaRPr lang="en-US" dirty="0"/>
@@ -4561,7 +4553,7 @@
           <a:p>
             <a:fld id="{EE30A369-18F9-4BE8-9B0F-1974E6BF41F7}" type="slidenum">
               <a:rPr lang="en-US" smtClean="0"/>
-              <a:t>‹Nº›</a:t>
+              <a:t>‹#›</a:t>
             </a:fld>
             <a:endParaRPr lang="en-US"/>
           </a:p>
@@ -4705,13 +4697,6 @@
       </p:transition>
     </mc:Fallback>
   </mc:AlternateContent>
-  <p:timing>
-    <p:tnLst>
-      <p:par>
-        <p:cTn id="1" dur="indefinite" restart="never" nodeType="tmRoot"/>
-      </p:par>
-    </p:tnLst>
-  </p:timing>
 </p:sldLayout>
 </file>
 
@@ -5367,7 +5352,7 @@
             </a:pPr>
             <a:fld id="{00000000-1234-1234-1234-123412341234}" type="slidenum">
               <a:rPr lang="en"/>
-              <a:t>‹Nº›</a:t>
+              <a:t>‹#›</a:t>
             </a:fld>
             <a:endParaRPr/>
           </a:p>
@@ -6131,7 +6116,7 @@
               <a:buNone/>
             </a:pPr>
             <a:r>
-              <a:rPr lang="es-MX" sz="3600" dirty="0" smtClean="0"/>
+              <a:rPr lang="es-MX" sz="3600" dirty="0"/>
               <a:t>Inteligencia Artificial aplicada a los Videojuegos</a:t>
             </a:r>
             <a:endParaRPr sz="3600" dirty="0"/>
@@ -6206,7 +6191,7 @@
                   <a:schemeClr val="tx1"/>
                 </a:solidFill>
               </a:rPr>
-              <a:t>lpalafox@up.edu.mx</a:t>
+              <a:t>lfpalafox@up.edu.mx</a:t>
             </a:r>
           </a:p>
         </p:txBody>
@@ -6216,13 +6201,6 @@
   <p:clrMapOvr>
     <a:masterClrMapping/>
   </p:clrMapOvr>
-  <p:timing>
-    <p:tnLst>
-      <p:par>
-        <p:cTn id="1" dur="indefinite" restart="never" nodeType="tmRoot"/>
-      </p:par>
-    </p:tnLst>
-  </p:timing>
 </p:sld>
 </file>
 
@@ -6278,10 +6256,9 @@
           <a:lstStyle/>
           <a:p>
             <a:r>
-              <a:rPr lang="es-MX" dirty="0" smtClean="0"/>
+              <a:rPr lang="es-MX" dirty="0"/>
               <a:t>Usamos programas de agentes, ya que es imposible codificar todas las posibles alternativas.</a:t>
             </a:r>
-            <a:endParaRPr lang="es-MX" dirty="0"/>
           </a:p>
         </p:txBody>
       </p:sp>
@@ -6484,18 +6461,13 @@
           <a:p>
             <a:pPr algn="ctr"/>
             <a:r>
-              <a:rPr lang="es-MX" b="1" dirty="0" smtClean="0">
+              <a:rPr lang="es-MX" b="1" dirty="0">
                 <a:solidFill>
                   <a:srgbClr val="FF0000"/>
                 </a:solidFill>
               </a:rPr>
               <a:t>Mover el cursor</a:t>
             </a:r>
-            <a:endParaRPr lang="es-MX" b="1" dirty="0">
-              <a:solidFill>
-                <a:srgbClr val="FF0000"/>
-              </a:solidFill>
-            </a:endParaRPr>
           </a:p>
         </p:txBody>
       </p:sp>
@@ -6544,7 +6516,7 @@
           <a:p>
             <a:pPr algn="ctr"/>
             <a:r>
-              <a:rPr lang="es-MX" b="1" dirty="0" smtClean="0">
+              <a:rPr lang="es-MX" b="1" dirty="0">
                 <a:solidFill>
                   <a:srgbClr val="FF0000"/>
                 </a:solidFill>
@@ -6552,7 +6524,7 @@
               <a:t>Cambiar el </a:t>
             </a:r>
             <a:r>
-              <a:rPr lang="es-MX" b="1" dirty="0" err="1" smtClean="0">
+              <a:rPr lang="es-MX" b="1" dirty="0" err="1">
                 <a:solidFill>
                   <a:srgbClr val="FF0000"/>
                 </a:solidFill>
@@ -6637,35 +6609,35 @@
           <a:lstStyle/>
           <a:p>
             <a:r>
-              <a:rPr lang="es-MX" sz="1600" dirty="0" smtClean="0"/>
+              <a:rPr lang="es-MX" sz="1600" dirty="0"/>
               <a:t>Tarea 1:</a:t>
             </a:r>
           </a:p>
           <a:p>
             <a:pPr lvl="1"/>
             <a:r>
-              <a:rPr lang="es-MX" sz="1600" dirty="0" smtClean="0"/>
+              <a:rPr lang="es-MX" sz="1600" dirty="0"/>
               <a:t>Elegir un videojuego.</a:t>
             </a:r>
           </a:p>
           <a:p>
             <a:pPr lvl="1"/>
             <a:r>
-              <a:rPr lang="es-MX" sz="1600" dirty="0" smtClean="0"/>
+              <a:rPr lang="es-MX" sz="1600" dirty="0"/>
               <a:t>Describir en una forma muy concreta una tabla que describa la función de un agente.</a:t>
             </a:r>
           </a:p>
           <a:p>
             <a:pPr lvl="1"/>
             <a:r>
-              <a:rPr lang="es-MX" sz="1600" dirty="0" smtClean="0"/>
+              <a:rPr lang="es-MX" sz="1600" dirty="0"/>
               <a:t>Que entradas y salidas necesitaría el programa del agente.</a:t>
             </a:r>
           </a:p>
           <a:p>
             <a:pPr lvl="1"/>
             <a:r>
-              <a:rPr lang="es-MX" sz="1600" dirty="0" smtClean="0"/>
+              <a:rPr lang="es-MX" sz="1600" dirty="0"/>
               <a:t>Van a presentar 3 personas al azar.</a:t>
             </a:r>
           </a:p>
@@ -6772,28 +6744,28 @@
           <a:lstStyle/>
           <a:p>
             <a:r>
-              <a:rPr lang="es-MX" dirty="0" smtClean="0"/>
+              <a:rPr lang="es-MX" dirty="0"/>
               <a:t>Agente Racional</a:t>
             </a:r>
           </a:p>
           <a:p>
             <a:pPr lvl="1"/>
             <a:r>
-              <a:rPr lang="es-MX" dirty="0" smtClean="0"/>
+              <a:rPr lang="es-MX" dirty="0"/>
               <a:t>Es un agente que hace la tarea adecuada</a:t>
             </a:r>
           </a:p>
           <a:p>
             <a:pPr lvl="1"/>
             <a:r>
-              <a:rPr lang="es-MX" dirty="0" smtClean="0"/>
+              <a:rPr lang="es-MX" dirty="0"/>
               <a:t>Pero…..</a:t>
             </a:r>
           </a:p>
           <a:p>
             <a:pPr lvl="2"/>
             <a:r>
-              <a:rPr lang="es-MX" dirty="0" smtClean="0"/>
+              <a:rPr lang="es-MX" dirty="0"/>
               <a:t>Qué significa la tarea adecuada?</a:t>
             </a:r>
           </a:p>
@@ -7005,38 +6977,37 @@
           <a:lstStyle/>
           <a:p>
             <a:r>
-              <a:rPr lang="es-MX" sz="2000" dirty="0" smtClean="0"/>
+              <a:rPr lang="es-MX" sz="2000" dirty="0"/>
               <a:t>La racionalidad depende de 4 cosas:</a:t>
             </a:r>
           </a:p>
           <a:p>
             <a:pPr lvl="1"/>
             <a:r>
-              <a:rPr lang="es-MX" sz="2000" dirty="0" smtClean="0"/>
+              <a:rPr lang="es-MX" sz="2000" dirty="0"/>
               <a:t>La métrica de desempeño que definimos para un caso exitoso.</a:t>
             </a:r>
           </a:p>
           <a:p>
             <a:pPr lvl="1"/>
             <a:r>
-              <a:rPr lang="es-MX" sz="2000" dirty="0" smtClean="0"/>
+              <a:rPr lang="es-MX" sz="2000" dirty="0"/>
               <a:t>El conocimiento que tiene el agente sobre el ambiente</a:t>
             </a:r>
           </a:p>
           <a:p>
             <a:pPr lvl="1"/>
             <a:r>
-              <a:rPr lang="es-MX" sz="2000" dirty="0" smtClean="0"/>
+              <a:rPr lang="es-MX" sz="2000" dirty="0"/>
               <a:t>Las acciones que el agente puede realizar</a:t>
             </a:r>
           </a:p>
           <a:p>
             <a:pPr lvl="1"/>
             <a:r>
-              <a:rPr lang="es-MX" sz="2000" dirty="0" smtClean="0"/>
+              <a:rPr lang="es-MX" sz="2000" dirty="0"/>
               <a:t>La secuencia de percepciones del agente hasta ahora.</a:t>
             </a:r>
-            <a:endParaRPr lang="es-MX" sz="2000" dirty="0"/>
           </a:p>
         </p:txBody>
       </p:sp>
@@ -7133,35 +7104,35 @@
           <a:lstStyle/>
           <a:p>
             <a:r>
-              <a:rPr lang="es-MX" sz="1600" dirty="0" smtClean="0"/>
+              <a:rPr lang="es-MX" sz="1600" dirty="0"/>
               <a:t>Tarea 2:</a:t>
             </a:r>
           </a:p>
           <a:p>
             <a:pPr lvl="1"/>
             <a:r>
-              <a:rPr lang="es-MX" sz="1600" dirty="0" smtClean="0"/>
+              <a:rPr lang="es-MX" sz="1600" dirty="0"/>
               <a:t>Elegir una AI de una película.</a:t>
             </a:r>
           </a:p>
           <a:p>
             <a:pPr lvl="1"/>
             <a:r>
-              <a:rPr lang="es-MX" sz="1600" dirty="0" smtClean="0"/>
+              <a:rPr lang="es-MX" sz="1600" dirty="0"/>
               <a:t>Describir sus 4 elementos que comprenden racionalidad.</a:t>
             </a:r>
           </a:p>
           <a:p>
             <a:pPr lvl="1"/>
             <a:r>
-              <a:rPr lang="es-MX" sz="1600" dirty="0" smtClean="0"/>
+              <a:rPr lang="es-MX" sz="1600" dirty="0"/>
               <a:t>Hacer una presentación.</a:t>
             </a:r>
           </a:p>
           <a:p>
             <a:pPr lvl="1"/>
             <a:r>
-              <a:rPr lang="es-MX" sz="1600" dirty="0" smtClean="0"/>
+              <a:rPr lang="es-MX" sz="1600" dirty="0"/>
               <a:t>Van a presentar 3 personas al azar.</a:t>
             </a:r>
           </a:p>
@@ -7309,10 +7280,9 @@
               <a:buNone/>
             </a:pPr>
             <a:r>
-              <a:rPr lang="es-MX" dirty="0" smtClean="0"/>
+              <a:rPr lang="es-MX" dirty="0"/>
               <a:t>Ambientes</a:t>
             </a:r>
-            <a:endParaRPr lang="es-MX" dirty="0"/>
           </a:p>
         </p:txBody>
       </p:sp>
@@ -7500,10 +7470,9 @@
           <a:lstStyle/>
           <a:p>
             <a:r>
-              <a:rPr lang="es-MX" dirty="0" smtClean="0"/>
+              <a:rPr lang="es-MX" dirty="0"/>
               <a:t>Elementos de un agente</a:t>
             </a:r>
-            <a:endParaRPr lang="es-MX" dirty="0"/>
           </a:p>
         </p:txBody>
       </p:sp>
@@ -7523,22 +7492,21 @@
           <a:lstStyle/>
           <a:p>
             <a:r>
-              <a:rPr lang="es-MX" dirty="0" smtClean="0"/>
+              <a:rPr lang="es-MX" dirty="0"/>
               <a:t>Debe ser capaz de capturar información</a:t>
             </a:r>
           </a:p>
           <a:p>
             <a:r>
-              <a:rPr lang="es-MX" dirty="0" smtClean="0"/>
+              <a:rPr lang="es-MX" dirty="0"/>
               <a:t>Debe ser capaz de aprender</a:t>
             </a:r>
           </a:p>
           <a:p>
             <a:r>
-              <a:rPr lang="es-MX" dirty="0" smtClean="0"/>
+              <a:rPr lang="es-MX" dirty="0"/>
               <a:t>Debe de ser autónomo.</a:t>
             </a:r>
-            <a:endParaRPr lang="es-MX" dirty="0"/>
           </a:p>
         </p:txBody>
       </p:sp>
@@ -7620,10 +7588,9 @@
           <a:lstStyle/>
           <a:p>
             <a:r>
-              <a:rPr lang="es-MX" dirty="0" smtClean="0"/>
+              <a:rPr lang="es-MX" dirty="0"/>
               <a:t>Demo de exploración</a:t>
             </a:r>
-            <a:endParaRPr lang="es-MX" dirty="0"/>
           </a:p>
         </p:txBody>
       </p:sp>
@@ -7836,56 +7803,55 @@
           <a:lstStyle/>
           <a:p>
             <a:r>
-              <a:rPr lang="es-MX" dirty="0" err="1" smtClean="0"/>
+              <a:rPr lang="es-MX" dirty="0" err="1"/>
               <a:t>Task</a:t>
             </a:r>
             <a:r>
-              <a:rPr lang="es-MX" dirty="0" smtClean="0"/>
+              <a:rPr lang="es-MX" dirty="0"/>
               <a:t> </a:t>
             </a:r>
             <a:r>
-              <a:rPr lang="es-MX" dirty="0" err="1" smtClean="0"/>
+              <a:rPr lang="es-MX" dirty="0" err="1"/>
               <a:t>Environment</a:t>
             </a:r>
-            <a:endParaRPr lang="es-MX" dirty="0" smtClean="0"/>
+            <a:endParaRPr lang="es-MX" dirty="0"/>
           </a:p>
           <a:p>
             <a:pPr lvl="1"/>
             <a:r>
-              <a:rPr lang="es-MX" dirty="0" smtClean="0"/>
+              <a:rPr lang="es-MX" dirty="0"/>
               <a:t>El ambiente para el cual el agente es la solución.</a:t>
             </a:r>
           </a:p>
           <a:p>
             <a:pPr lvl="1"/>
             <a:r>
-              <a:rPr lang="es-MX" dirty="0" smtClean="0"/>
+              <a:rPr lang="es-MX" dirty="0"/>
               <a:t>En el caso de la </a:t>
             </a:r>
             <a:r>
-              <a:rPr lang="es-MX" dirty="0" err="1" smtClean="0"/>
+              <a:rPr lang="es-MX" dirty="0" err="1"/>
               <a:t>roomba</a:t>
             </a:r>
             <a:r>
-              <a:rPr lang="es-MX" dirty="0" smtClean="0"/>
+              <a:rPr lang="es-MX" dirty="0"/>
               <a:t>, es el cuarto sucio</a:t>
             </a:r>
           </a:p>
           <a:p>
             <a:pPr lvl="1"/>
             <a:r>
-              <a:rPr lang="es-MX" dirty="0" smtClean="0"/>
+              <a:rPr lang="es-MX" dirty="0"/>
               <a:t>En el caso de un auto </a:t>
             </a:r>
             <a:r>
-              <a:rPr lang="es-MX" dirty="0" err="1" smtClean="0"/>
+              <a:rPr lang="es-MX" dirty="0" err="1"/>
               <a:t>Trader</a:t>
             </a:r>
             <a:r>
-              <a:rPr lang="es-MX" dirty="0" smtClean="0"/>
+              <a:rPr lang="es-MX" dirty="0"/>
               <a:t>, es el mercado de valores.</a:t>
             </a:r>
-            <a:endParaRPr lang="es-MX" dirty="0"/>
           </a:p>
         </p:txBody>
       </p:sp>
@@ -8008,9 +7974,7 @@
           <p:cNvGraphicFramePr>
             <a:graphicFrameLocks noGrp="1"/>
           </p:cNvGraphicFramePr>
-          <p:nvPr>
-            <p:extLst/>
-          </p:nvPr>
+          <p:nvPr/>
         </p:nvGraphicFramePr>
         <p:xfrm>
           <a:off x="1452154" y="2120356"/>
@@ -8066,10 +8030,9 @@
                     <a:lstStyle/>
                     <a:p>
                       <a:r>
-                        <a:rPr lang="es-MX" dirty="0" smtClean="0"/>
+                        <a:rPr lang="es-MX" dirty="0"/>
                         <a:t>Tipo de Agente</a:t>
                       </a:r>
-                      <a:endParaRPr lang="es-MX" dirty="0"/>
                     </a:p>
                   </a:txBody>
                   <a:tcPr/>
@@ -8080,15 +8043,15 @@
                     <a:lstStyle/>
                     <a:p>
                       <a:r>
-                        <a:rPr lang="es-MX" dirty="0" smtClean="0"/>
+                        <a:rPr lang="es-MX" dirty="0"/>
                         <a:t>Performance</a:t>
                       </a:r>
                       <a:r>
-                        <a:rPr lang="es-MX" baseline="0" dirty="0" smtClean="0"/>
+                        <a:rPr lang="es-MX" baseline="0" dirty="0"/>
                         <a:t> </a:t>
                       </a:r>
                       <a:r>
-                        <a:rPr lang="es-MX" baseline="0" dirty="0" err="1" smtClean="0"/>
+                        <a:rPr lang="es-MX" baseline="0" dirty="0" err="1"/>
                         <a:t>Measure</a:t>
                       </a:r>
                       <a:endParaRPr lang="es-MX" dirty="0"/>
@@ -8102,10 +8065,9 @@
                     <a:lstStyle/>
                     <a:p>
                       <a:r>
-                        <a:rPr lang="es-MX" dirty="0" smtClean="0"/>
+                        <a:rPr lang="es-MX" dirty="0"/>
                         <a:t>Ambiente</a:t>
                       </a:r>
-                      <a:endParaRPr lang="es-MX" dirty="0"/>
                     </a:p>
                   </a:txBody>
                   <a:tcPr/>
@@ -8116,10 +8078,9 @@
                     <a:lstStyle/>
                     <a:p>
                       <a:r>
-                        <a:rPr lang="es-MX" dirty="0" smtClean="0"/>
+                        <a:rPr lang="es-MX" dirty="0"/>
                         <a:t>Sensor</a:t>
                       </a:r>
-                      <a:endParaRPr lang="es-MX" dirty="0"/>
                     </a:p>
                   </a:txBody>
                   <a:tcPr/>
@@ -8130,10 +8091,9 @@
                     <a:lstStyle/>
                     <a:p>
                       <a:r>
-                        <a:rPr lang="es-MX" dirty="0" smtClean="0"/>
+                        <a:rPr lang="es-MX" dirty="0"/>
                         <a:t>Actuador</a:t>
                       </a:r>
-                      <a:endParaRPr lang="es-MX" dirty="0"/>
                     </a:p>
                   </a:txBody>
                   <a:tcPr/>
@@ -8151,10 +8111,9 @@
                     <a:lstStyle/>
                     <a:p>
                       <a:r>
-                        <a:rPr lang="es-MX" dirty="0" smtClean="0"/>
+                        <a:rPr lang="es-MX" dirty="0"/>
                         <a:t>Taxista Autónomo</a:t>
                       </a:r>
-                      <a:endParaRPr lang="es-MX" dirty="0"/>
                     </a:p>
                   </a:txBody>
                   <a:tcPr/>
@@ -8165,11 +8124,11 @@
                     <a:lstStyle/>
                     <a:p>
                       <a:r>
-                        <a:rPr lang="es-MX" dirty="0" smtClean="0"/>
+                        <a:rPr lang="es-MX" dirty="0"/>
                         <a:t>Seguro, Legal, Rápido,</a:t>
                       </a:r>
                       <a:r>
-                        <a:rPr lang="es-MX" baseline="0" dirty="0" smtClean="0"/>
+                        <a:rPr lang="es-MX" baseline="0" dirty="0"/>
                         <a:t> ganancia ($$)</a:t>
                       </a:r>
                       <a:endParaRPr lang="es-MX" dirty="0"/>
@@ -8183,10 +8142,9 @@
                     <a:lstStyle/>
                     <a:p>
                       <a:r>
-                        <a:rPr lang="es-MX" dirty="0" smtClean="0"/>
+                        <a:rPr lang="es-MX" dirty="0"/>
                         <a:t>Calle, peatones, banqueta, semáforo</a:t>
                       </a:r>
-                      <a:endParaRPr lang="es-MX" dirty="0"/>
                     </a:p>
                   </a:txBody>
                   <a:tcPr/>
@@ -8197,11 +8155,11 @@
                     <a:lstStyle/>
                     <a:p>
                       <a:r>
-                        <a:rPr lang="es-MX" dirty="0" smtClean="0"/>
+                        <a:rPr lang="es-MX" dirty="0"/>
                         <a:t>Cámara, Sonar, GPS, acelerómetro, </a:t>
                       </a:r>
                       <a:r>
-                        <a:rPr lang="es-MX" dirty="0" err="1" smtClean="0"/>
+                        <a:rPr lang="es-MX" dirty="0" err="1"/>
                         <a:t>etc</a:t>
                       </a:r>
                       <a:endParaRPr lang="es-MX" dirty="0"/>
@@ -8215,10 +8173,9 @@
                     <a:lstStyle/>
                     <a:p>
                       <a:r>
-                        <a:rPr lang="es-MX" dirty="0" smtClean="0"/>
+                        <a:rPr lang="es-MX" dirty="0"/>
                         <a:t>Acelerador, volante, freno, luces</a:t>
                       </a:r>
-                      <a:endParaRPr lang="es-MX" dirty="0"/>
                     </a:p>
                   </a:txBody>
                   <a:tcPr/>
@@ -8236,11 +8193,11 @@
                     <a:lstStyle/>
                     <a:p>
                       <a:r>
-                        <a:rPr lang="es-MX" dirty="0" smtClean="0"/>
+                        <a:rPr lang="es-MX" dirty="0"/>
                         <a:t>Descripción</a:t>
                       </a:r>
                       <a:r>
-                        <a:rPr lang="es-MX" baseline="0" dirty="0" smtClean="0"/>
+                        <a:rPr lang="es-MX" baseline="0" dirty="0"/>
                         <a:t> de un agente Autónomo para un taxi automático</a:t>
                       </a:r>
                       <a:endParaRPr lang="es-MX" dirty="0"/>
@@ -8385,9 +8342,7 @@
           <p:cNvGraphicFramePr>
             <a:graphicFrameLocks noGrp="1"/>
           </p:cNvGraphicFramePr>
-          <p:nvPr>
-            <p:extLst/>
-          </p:nvPr>
+          <p:nvPr/>
         </p:nvGraphicFramePr>
         <p:xfrm>
           <a:off x="1452154" y="2120356"/>
@@ -8443,10 +8398,9 @@
                     <a:lstStyle/>
                     <a:p>
                       <a:r>
-                        <a:rPr lang="es-MX" dirty="0" smtClean="0"/>
+                        <a:rPr lang="es-MX" dirty="0"/>
                         <a:t>Tipo de Agente</a:t>
                       </a:r>
-                      <a:endParaRPr lang="es-MX" dirty="0"/>
                     </a:p>
                   </a:txBody>
                   <a:tcPr/>
@@ -8457,15 +8411,15 @@
                     <a:lstStyle/>
                     <a:p>
                       <a:r>
-                        <a:rPr lang="es-MX" dirty="0" smtClean="0"/>
+                        <a:rPr lang="es-MX" dirty="0"/>
                         <a:t>Performance</a:t>
                       </a:r>
                       <a:r>
-                        <a:rPr lang="es-MX" baseline="0" dirty="0" smtClean="0"/>
+                        <a:rPr lang="es-MX" baseline="0" dirty="0"/>
                         <a:t> </a:t>
                       </a:r>
                       <a:r>
-                        <a:rPr lang="es-MX" baseline="0" dirty="0" err="1" smtClean="0"/>
+                        <a:rPr lang="es-MX" baseline="0" dirty="0" err="1"/>
                         <a:t>Measure</a:t>
                       </a:r>
                       <a:endParaRPr lang="es-MX" dirty="0"/>
@@ -8479,10 +8433,9 @@
                     <a:lstStyle/>
                     <a:p>
                       <a:r>
-                        <a:rPr lang="es-MX" dirty="0" smtClean="0"/>
+                        <a:rPr lang="es-MX" dirty="0"/>
                         <a:t>Ambiente</a:t>
                       </a:r>
-                      <a:endParaRPr lang="es-MX" dirty="0"/>
                     </a:p>
                   </a:txBody>
                   <a:tcPr/>
@@ -8493,10 +8446,9 @@
                     <a:lstStyle/>
                     <a:p>
                       <a:r>
-                        <a:rPr lang="es-MX" dirty="0" smtClean="0"/>
+                        <a:rPr lang="es-MX" dirty="0"/>
                         <a:t>Sensor</a:t>
                       </a:r>
-                      <a:endParaRPr lang="es-MX" dirty="0"/>
                     </a:p>
                   </a:txBody>
                   <a:tcPr/>
@@ -8507,10 +8459,9 @@
                     <a:lstStyle/>
                     <a:p>
                       <a:r>
-                        <a:rPr lang="es-MX" dirty="0" smtClean="0"/>
+                        <a:rPr lang="es-MX" dirty="0"/>
                         <a:t>Actuador</a:t>
                       </a:r>
-                      <a:endParaRPr lang="es-MX" dirty="0"/>
                     </a:p>
                   </a:txBody>
                   <a:tcPr/>
@@ -8528,10 +8479,9 @@
                     <a:lstStyle/>
                     <a:p>
                       <a:r>
-                        <a:rPr lang="es-MX" dirty="0" smtClean="0"/>
+                        <a:rPr lang="es-MX" dirty="0"/>
                         <a:t>Jugador de Ajedrez</a:t>
                       </a:r>
-                      <a:endParaRPr lang="es-MX" dirty="0"/>
                     </a:p>
                   </a:txBody>
                   <a:tcPr/>
@@ -8589,11 +8539,11 @@
                     <a:lstStyle/>
                     <a:p>
                       <a:r>
-                        <a:rPr lang="es-MX" dirty="0" smtClean="0"/>
+                        <a:rPr lang="es-MX" dirty="0"/>
                         <a:t>Descripción</a:t>
                       </a:r>
                       <a:r>
-                        <a:rPr lang="es-MX" baseline="0" dirty="0" smtClean="0"/>
+                        <a:rPr lang="es-MX" baseline="0" dirty="0"/>
                         <a:t> de un agente Autónomo para un jugador de Ajedrez</a:t>
                       </a:r>
                       <a:endParaRPr lang="es-MX" dirty="0"/>
@@ -8738,9 +8688,7 @@
           <p:cNvGraphicFramePr>
             <a:graphicFrameLocks noGrp="1"/>
           </p:cNvGraphicFramePr>
-          <p:nvPr>
-            <p:extLst/>
-          </p:nvPr>
+          <p:nvPr/>
         </p:nvGraphicFramePr>
         <p:xfrm>
           <a:off x="1452154" y="2120356"/>
@@ -8796,10 +8744,9 @@
                     <a:lstStyle/>
                     <a:p>
                       <a:r>
-                        <a:rPr lang="es-MX" dirty="0" smtClean="0"/>
+                        <a:rPr lang="es-MX" dirty="0"/>
                         <a:t>Tipo de Agente</a:t>
                       </a:r>
-                      <a:endParaRPr lang="es-MX" dirty="0"/>
                     </a:p>
                   </a:txBody>
                   <a:tcPr/>
@@ -8810,15 +8757,15 @@
                     <a:lstStyle/>
                     <a:p>
                       <a:r>
-                        <a:rPr lang="es-MX" dirty="0" smtClean="0"/>
+                        <a:rPr lang="es-MX" dirty="0"/>
                         <a:t>Performance</a:t>
                       </a:r>
                       <a:r>
-                        <a:rPr lang="es-MX" baseline="0" dirty="0" smtClean="0"/>
+                        <a:rPr lang="es-MX" baseline="0" dirty="0"/>
                         <a:t> </a:t>
                       </a:r>
                       <a:r>
-                        <a:rPr lang="es-MX" baseline="0" dirty="0" err="1" smtClean="0"/>
+                        <a:rPr lang="es-MX" baseline="0" dirty="0" err="1"/>
                         <a:t>Measure</a:t>
                       </a:r>
                       <a:endParaRPr lang="es-MX" dirty="0"/>
@@ -8832,10 +8779,9 @@
                     <a:lstStyle/>
                     <a:p>
                       <a:r>
-                        <a:rPr lang="es-MX" dirty="0" smtClean="0"/>
+                        <a:rPr lang="es-MX" dirty="0"/>
                         <a:t>Ambiente</a:t>
                       </a:r>
-                      <a:endParaRPr lang="es-MX" dirty="0"/>
                     </a:p>
                   </a:txBody>
                   <a:tcPr/>
@@ -8846,10 +8792,9 @@
                     <a:lstStyle/>
                     <a:p>
                       <a:r>
-                        <a:rPr lang="es-MX" dirty="0" smtClean="0"/>
+                        <a:rPr lang="es-MX" dirty="0"/>
                         <a:t>Sensor</a:t>
                       </a:r>
-                      <a:endParaRPr lang="es-MX" dirty="0"/>
                     </a:p>
                   </a:txBody>
                   <a:tcPr/>
@@ -8860,10 +8805,9 @@
                     <a:lstStyle/>
                     <a:p>
                       <a:r>
-                        <a:rPr lang="es-MX" dirty="0" smtClean="0"/>
+                        <a:rPr lang="es-MX" dirty="0"/>
                         <a:t>Actuador</a:t>
                       </a:r>
-                      <a:endParaRPr lang="es-MX" dirty="0"/>
                     </a:p>
                   </a:txBody>
                   <a:tcPr/>
@@ -8881,10 +8825,9 @@
                     <a:lstStyle/>
                     <a:p>
                       <a:r>
-                        <a:rPr lang="es-MX" dirty="0" smtClean="0"/>
+                        <a:rPr lang="es-MX" dirty="0"/>
                         <a:t>Predictor de desempeño estudiantil</a:t>
                       </a:r>
-                      <a:endParaRPr lang="es-MX" dirty="0"/>
                     </a:p>
                   </a:txBody>
                   <a:tcPr/>
@@ -8942,11 +8885,11 @@
                     <a:lstStyle/>
                     <a:p>
                       <a:r>
-                        <a:rPr lang="es-MX" dirty="0" smtClean="0"/>
+                        <a:rPr lang="es-MX" dirty="0"/>
                         <a:t>Descripción</a:t>
                       </a:r>
                       <a:r>
-                        <a:rPr lang="es-MX" baseline="0" dirty="0" smtClean="0"/>
+                        <a:rPr lang="es-MX" baseline="0" dirty="0"/>
                         <a:t> de un agente Autónomo para un predictor de desempeño estudiantil</a:t>
                       </a:r>
                       <a:endParaRPr lang="es-MX" dirty="0"/>
@@ -9050,10 +8993,9 @@
           <a:lstStyle/>
           <a:p>
             <a:r>
-              <a:rPr lang="es-MX" dirty="0" smtClean="0"/>
+              <a:rPr lang="es-MX" dirty="0"/>
               <a:t>Observable/Parcialmente observable</a:t>
             </a:r>
-            <a:endParaRPr lang="es-MX" dirty="0"/>
           </a:p>
         </p:txBody>
       </p:sp>
@@ -9073,38 +9015,37 @@
           <a:lstStyle/>
           <a:p>
             <a:r>
-              <a:rPr lang="es-MX" dirty="0" smtClean="0"/>
+              <a:rPr lang="es-MX" dirty="0"/>
               <a:t>Observable</a:t>
             </a:r>
           </a:p>
           <a:p>
             <a:pPr lvl="1"/>
             <a:r>
-              <a:rPr lang="es-MX" dirty="0" smtClean="0"/>
+              <a:rPr lang="es-MX" dirty="0"/>
               <a:t>Ambiente donde los sensores tienen la capacidad de </a:t>
             </a:r>
             <a:r>
-              <a:rPr lang="es-MX" dirty="0" err="1" smtClean="0"/>
+              <a:rPr lang="es-MX" dirty="0" err="1"/>
               <a:t>sensar</a:t>
             </a:r>
             <a:r>
-              <a:rPr lang="es-MX" dirty="0" smtClean="0"/>
+              <a:rPr lang="es-MX" dirty="0"/>
               <a:t> todas las variables del mismo</a:t>
             </a:r>
           </a:p>
           <a:p>
             <a:r>
-              <a:rPr lang="es-MX" dirty="0" smtClean="0"/>
+              <a:rPr lang="es-MX" dirty="0"/>
               <a:t>Parcialmente</a:t>
             </a:r>
           </a:p>
           <a:p>
             <a:pPr lvl="1"/>
             <a:r>
-              <a:rPr lang="es-MX" dirty="0" smtClean="0"/>
+              <a:rPr lang="es-MX" dirty="0"/>
               <a:t>Los sensores no permiten saber todas las variables del ambiente</a:t>
             </a:r>
-            <a:endParaRPr lang="es-MX" dirty="0"/>
           </a:p>
         </p:txBody>
       </p:sp>
@@ -9186,14 +9127,13 @@
           <a:lstStyle/>
           <a:p>
             <a:r>
-              <a:rPr lang="es-MX" dirty="0" err="1" smtClean="0"/>
+              <a:rPr lang="es-MX" dirty="0" err="1"/>
               <a:t>Multiagente</a:t>
             </a:r>
             <a:r>
-              <a:rPr lang="es-MX" dirty="0" smtClean="0"/>
+              <a:rPr lang="es-MX" dirty="0"/>
               <a:t>/agente sencillo</a:t>
             </a:r>
-            <a:endParaRPr lang="es-MX" dirty="0"/>
           </a:p>
         </p:txBody>
       </p:sp>
@@ -9213,40 +9153,39 @@
           <a:lstStyle/>
           <a:p>
             <a:r>
-              <a:rPr lang="es-MX" dirty="0" err="1" smtClean="0"/>
+              <a:rPr lang="es-MX" dirty="0" err="1"/>
               <a:t>Multiagente</a:t>
             </a:r>
-            <a:endParaRPr lang="es-MX" dirty="0" smtClean="0"/>
+            <a:endParaRPr lang="es-MX" dirty="0"/>
           </a:p>
           <a:p>
             <a:pPr lvl="1"/>
             <a:r>
-              <a:rPr lang="es-MX" dirty="0" smtClean="0"/>
+              <a:rPr lang="es-MX" dirty="0"/>
               <a:t>En un sistema </a:t>
             </a:r>
             <a:r>
-              <a:rPr lang="es-MX" dirty="0" err="1" smtClean="0"/>
+              <a:rPr lang="es-MX" dirty="0" err="1"/>
               <a:t>multiagente</a:t>
             </a:r>
             <a:r>
-              <a:rPr lang="es-MX" dirty="0" smtClean="0"/>
+              <a:rPr lang="es-MX" dirty="0"/>
               <a:t>, tenemos varios agentes:</a:t>
             </a:r>
           </a:p>
           <a:p>
             <a:pPr lvl="2"/>
             <a:r>
-              <a:rPr lang="es-MX" dirty="0" smtClean="0"/>
+              <a:rPr lang="es-MX" dirty="0"/>
               <a:t>Cooperando</a:t>
             </a:r>
           </a:p>
           <a:p>
             <a:pPr lvl="2"/>
             <a:r>
-              <a:rPr lang="es-MX" dirty="0" smtClean="0"/>
+              <a:rPr lang="es-MX" dirty="0"/>
               <a:t>Compitiendo</a:t>
             </a:r>
-            <a:endParaRPr lang="es-MX" dirty="0"/>
           </a:p>
         </p:txBody>
       </p:sp>
@@ -9328,14 +9267,13 @@
           <a:lstStyle/>
           <a:p>
             <a:r>
-              <a:rPr lang="es-MX" dirty="0" err="1" smtClean="0"/>
+              <a:rPr lang="es-MX" dirty="0" err="1"/>
               <a:t>Multiagente</a:t>
             </a:r>
             <a:r>
-              <a:rPr lang="es-MX" dirty="0" smtClean="0"/>
+              <a:rPr lang="es-MX" dirty="0"/>
               <a:t> Cooperativo</a:t>
             </a:r>
-            <a:endParaRPr lang="es-MX" dirty="0"/>
           </a:p>
         </p:txBody>
       </p:sp>
@@ -9355,22 +9293,14 @@
           <a:lstStyle/>
           <a:p>
             <a:r>
-              <a:rPr lang="es-MX" dirty="0" smtClean="0"/>
-              <a:t>Es un grupo de agentes trabajando en </a:t>
-            </a:r>
-            <a:r>
-              <a:rPr lang="es-MX" dirty="0" err="1" smtClean="0"/>
-              <a:t>unisono</a:t>
-            </a:r>
-            <a:r>
-              <a:rPr lang="es-MX" dirty="0" smtClean="0"/>
-              <a:t> para que una tarea se cumpla.</a:t>
+              <a:rPr lang="es-MX" dirty="0"/>
+              <a:t>Es un grupo de agentes trabajando en unisonó para que una tarea se cumpla.</a:t>
             </a:r>
           </a:p>
           <a:p>
             <a:pPr lvl="1"/>
             <a:r>
-              <a:rPr lang="es-MX" dirty="0" smtClean="0"/>
+              <a:rPr lang="es-MX" dirty="0"/>
               <a:t>Dos autos autónomos</a:t>
             </a:r>
           </a:p>
@@ -9464,14 +9394,13 @@
           <a:lstStyle/>
           <a:p>
             <a:r>
-              <a:rPr lang="es-MX" dirty="0" err="1" smtClean="0"/>
+              <a:rPr lang="es-MX" dirty="0" err="1"/>
               <a:t>Multiagente</a:t>
             </a:r>
             <a:r>
-              <a:rPr lang="es-MX" dirty="0" smtClean="0"/>
+              <a:rPr lang="es-MX" dirty="0"/>
               <a:t> competitivo</a:t>
             </a:r>
-            <a:endParaRPr lang="es-MX" dirty="0"/>
           </a:p>
         </p:txBody>
       </p:sp>
@@ -9491,15 +9420,15 @@
           <a:lstStyle/>
           <a:p>
             <a:r>
-              <a:rPr lang="es-MX" dirty="0" smtClean="0"/>
+              <a:rPr lang="es-MX" dirty="0"/>
               <a:t>Varios agentes donde el performance </a:t>
             </a:r>
             <a:r>
-              <a:rPr lang="es-MX" dirty="0" err="1" smtClean="0"/>
+              <a:rPr lang="es-MX" dirty="0" err="1"/>
               <a:t>measure</a:t>
             </a:r>
             <a:r>
-              <a:rPr lang="es-MX" dirty="0" smtClean="0"/>
+              <a:rPr lang="es-MX" dirty="0"/>
               <a:t> de cada una es un juego de suma cero</a:t>
             </a:r>
           </a:p>
@@ -9590,10 +9519,9 @@
           <a:lstStyle/>
           <a:p>
             <a:r>
-              <a:rPr lang="es-MX" dirty="0" smtClean="0"/>
+              <a:rPr lang="es-MX" dirty="0"/>
               <a:t>Determinístico/Estocástico</a:t>
             </a:r>
-            <a:endParaRPr lang="es-MX" dirty="0"/>
           </a:p>
         </p:txBody>
       </p:sp>
@@ -9613,31 +9541,30 @@
           <a:lstStyle/>
           <a:p>
             <a:r>
-              <a:rPr lang="es-MX" dirty="0" smtClean="0"/>
+              <a:rPr lang="es-MX" dirty="0"/>
               <a:t>Determinístico</a:t>
             </a:r>
           </a:p>
           <a:p>
             <a:pPr lvl="1"/>
             <a:r>
-              <a:rPr lang="es-MX" dirty="0" smtClean="0"/>
+              <a:rPr lang="es-MX" dirty="0"/>
               <a:t>El agente conoce todas las variables presentes y futuras del ambiente</a:t>
             </a:r>
           </a:p>
           <a:p>
             <a:pPr lvl="2"/>
             <a:r>
-              <a:rPr lang="es-MX" dirty="0" smtClean="0"/>
+              <a:rPr lang="es-MX" dirty="0"/>
               <a:t>No tiene incertidumbre</a:t>
             </a:r>
           </a:p>
           <a:p>
             <a:pPr lvl="2"/>
             <a:r>
-              <a:rPr lang="es-MX" dirty="0" smtClean="0"/>
+              <a:rPr lang="es-MX" dirty="0"/>
               <a:t>Por lo general se atribuye a ambientes totalmente observables</a:t>
             </a:r>
-            <a:endParaRPr lang="es-MX" dirty="0"/>
           </a:p>
         </p:txBody>
       </p:sp>
@@ -9738,31 +9665,30 @@
           <a:lstStyle/>
           <a:p>
             <a:r>
-              <a:rPr lang="es-MX" dirty="0" smtClean="0"/>
+              <a:rPr lang="es-MX" dirty="0"/>
               <a:t>Estocástico</a:t>
             </a:r>
           </a:p>
           <a:p>
             <a:pPr lvl="1"/>
             <a:r>
-              <a:rPr lang="es-MX" dirty="0" smtClean="0"/>
+              <a:rPr lang="es-MX" dirty="0"/>
               <a:t>Es un ambiente donde no es posible saber todos los escenarios</a:t>
             </a:r>
           </a:p>
           <a:p>
             <a:pPr lvl="1"/>
             <a:r>
-              <a:rPr lang="es-MX" dirty="0" smtClean="0"/>
+              <a:rPr lang="es-MX" dirty="0"/>
               <a:t>Tenemos que utilizar probabilidades</a:t>
             </a:r>
           </a:p>
           <a:p>
             <a:pPr lvl="1"/>
             <a:r>
-              <a:rPr lang="es-MX" dirty="0" smtClean="0"/>
+              <a:rPr lang="es-MX" dirty="0"/>
               <a:t>Son los escenarios más comunes</a:t>
             </a:r>
-            <a:endParaRPr lang="es-MX" dirty="0"/>
           </a:p>
         </p:txBody>
       </p:sp>
@@ -9863,10 +9789,9 @@
               <a:buNone/>
             </a:pPr>
             <a:r>
-              <a:rPr lang="es-MX" dirty="0" smtClean="0"/>
+              <a:rPr lang="es-MX" dirty="0"/>
               <a:t>Clase Pasada</a:t>
             </a:r>
-            <a:endParaRPr lang="es-MX" dirty="0"/>
           </a:p>
         </p:txBody>
       </p:sp>
@@ -9905,10 +9830,9 @@
               <a:buNone/>
             </a:pPr>
             <a:r>
-              <a:rPr lang="es-MX" dirty="0" smtClean="0"/>
+              <a:rPr lang="es-MX" dirty="0"/>
               <a:t>Agentes y Mas</a:t>
             </a:r>
-            <a:endParaRPr lang="es-MX" dirty="0"/>
           </a:p>
         </p:txBody>
       </p:sp>
@@ -10022,13 +9946,6 @@
   <p:clrMapOvr>
     <a:masterClrMapping/>
   </p:clrMapOvr>
-  <p:timing>
-    <p:tnLst>
-      <p:par>
-        <p:cTn id="1" dur="indefinite" restart="never" nodeType="tmRoot"/>
-      </p:par>
-    </p:tnLst>
-  </p:timing>
 </p:sld>
 </file>
 
@@ -10065,10 +9982,9 @@
           <a:lstStyle/>
           <a:p>
             <a:r>
-              <a:rPr lang="es-MX" dirty="0" smtClean="0"/>
+              <a:rPr lang="es-MX" dirty="0"/>
               <a:t>Estático/Dinámico</a:t>
             </a:r>
-            <a:endParaRPr lang="es-MX" dirty="0"/>
           </a:p>
         </p:txBody>
       </p:sp>
@@ -10088,26 +10004,25 @@
           <a:lstStyle/>
           <a:p>
             <a:r>
-              <a:rPr lang="es-MX" dirty="0" smtClean="0"/>
+              <a:rPr lang="es-MX" dirty="0"/>
               <a:t>Estático: El ambiente no cambia, en el momento en el que el agente esta deliberando.</a:t>
             </a:r>
           </a:p>
           <a:p>
             <a:r>
-              <a:rPr lang="es-MX" dirty="0" smtClean="0"/>
+              <a:rPr lang="es-MX" dirty="0"/>
               <a:t>Dinámico: El ambiente esta cambiando constantemente.</a:t>
             </a:r>
           </a:p>
           <a:p>
             <a:r>
-              <a:rPr lang="es-MX" dirty="0" err="1" smtClean="0"/>
+              <a:rPr lang="es-MX" dirty="0" err="1"/>
               <a:t>Semidinámico</a:t>
             </a:r>
             <a:r>
-              <a:rPr lang="es-MX" dirty="0" smtClean="0"/>
+              <a:rPr lang="es-MX" dirty="0"/>
               <a:t>: El “performance score” del agente cambia, aunque el ambiente no.</a:t>
             </a:r>
-            <a:endParaRPr lang="es-MX" dirty="0"/>
           </a:p>
         </p:txBody>
       </p:sp>
@@ -10208,26 +10123,25 @@
           <a:lstStyle/>
           <a:p>
             <a:r>
-              <a:rPr lang="es-MX" dirty="0" smtClean="0"/>
+              <a:rPr lang="es-MX" dirty="0"/>
               <a:t>Estático: Un rompecabezas</a:t>
             </a:r>
           </a:p>
           <a:p>
             <a:r>
-              <a:rPr lang="es-MX" dirty="0" smtClean="0"/>
+              <a:rPr lang="es-MX" dirty="0"/>
               <a:t>Dinámico: Auto autónomo</a:t>
             </a:r>
           </a:p>
           <a:p>
             <a:r>
-              <a:rPr lang="es-MX" dirty="0" err="1" smtClean="0"/>
+              <a:rPr lang="es-MX" dirty="0" err="1"/>
               <a:t>Semidinámico</a:t>
             </a:r>
             <a:r>
-              <a:rPr lang="es-MX" dirty="0" smtClean="0"/>
+              <a:rPr lang="es-MX" dirty="0"/>
               <a:t>: Un juego de mesa como el ajedrez.</a:t>
             </a:r>
-            <a:endParaRPr lang="es-MX" dirty="0"/>
           </a:p>
         </p:txBody>
       </p:sp>
@@ -10309,10 +10223,9 @@
           <a:lstStyle/>
           <a:p>
             <a:r>
-              <a:rPr lang="es-MX" dirty="0" smtClean="0"/>
+              <a:rPr lang="es-MX" dirty="0"/>
               <a:t>Discreto/Continuo</a:t>
             </a:r>
-            <a:endParaRPr lang="es-MX" dirty="0"/>
           </a:p>
         </p:txBody>
       </p:sp>
@@ -10332,24 +10245,23 @@
           <a:lstStyle/>
           <a:p>
             <a:r>
-              <a:rPr lang="es-MX" dirty="0" smtClean="0"/>
+              <a:rPr lang="es-MX" dirty="0"/>
               <a:t>Como se mantiene el tiempo en el ambiente:</a:t>
             </a:r>
           </a:p>
           <a:p>
             <a:pPr lvl="1"/>
             <a:r>
-              <a:rPr lang="es-MX" dirty="0" smtClean="0"/>
+              <a:rPr lang="es-MX" dirty="0"/>
               <a:t>Discreto: Ajedrez, juegos de estados</a:t>
             </a:r>
           </a:p>
           <a:p>
             <a:pPr lvl="1"/>
             <a:r>
-              <a:rPr lang="es-MX" dirty="0" smtClean="0"/>
+              <a:rPr lang="es-MX" dirty="0"/>
               <a:t>Continuo: Ambientes reales</a:t>
             </a:r>
-            <a:endParaRPr lang="es-MX" dirty="0"/>
           </a:p>
         </p:txBody>
       </p:sp>
@@ -10517,10 +10429,9 @@
           <a:lstStyle/>
           <a:p>
             <a:r>
-              <a:rPr lang="es-MX" dirty="0" smtClean="0"/>
+              <a:rPr lang="es-MX" dirty="0"/>
               <a:t>Programa de los agentes</a:t>
             </a:r>
-            <a:endParaRPr lang="es-MX" dirty="0"/>
           </a:p>
         </p:txBody>
       </p:sp>
@@ -10540,20 +10451,19 @@
           <a:lstStyle/>
           <a:p>
             <a:r>
-              <a:rPr lang="es-MX" dirty="0" smtClean="0"/>
+              <a:rPr lang="es-MX" dirty="0"/>
               <a:t>El objetivo de AI es diseñar el programa de agente, que es la realización de la </a:t>
             </a:r>
             <a:r>
-              <a:rPr lang="es-MX" b="1" dirty="0" smtClean="0"/>
+              <a:rPr lang="es-MX" b="1" dirty="0"/>
               <a:t>función del agente.</a:t>
             </a:r>
           </a:p>
           <a:p>
             <a:r>
-              <a:rPr lang="es-MX" dirty="0" smtClean="0"/>
+              <a:rPr lang="es-MX" dirty="0"/>
               <a:t>El agente va a correr en una arquitectura</a:t>
             </a:r>
-            <a:endParaRPr lang="es-MX" dirty="0"/>
           </a:p>
         </p:txBody>
       </p:sp>
@@ -10645,7 +10555,7 @@
           <a:lstStyle/>
           <a:p>
             <a:r>
-              <a:rPr lang="es-MX" dirty="0" smtClean="0"/>
+              <a:rPr lang="es-MX" dirty="0"/>
               <a:t>Usando Agentes, Acciones racionales</a:t>
             </a:r>
           </a:p>
@@ -10756,7 +10666,7 @@
           <a:lstStyle/>
           <a:p>
             <a:r>
-              <a:rPr lang="es-MX" dirty="0" smtClean="0"/>
+              <a:rPr lang="es-MX" dirty="0"/>
               <a:t>Un agente interactúa con su entorno a través de señores y actuadores:</a:t>
             </a:r>
           </a:p>
@@ -10918,10 +10828,9 @@
           <a:p>
             <a:pPr algn="ctr"/>
             <a:r>
-              <a:rPr lang="es-MX" dirty="0" smtClean="0"/>
+              <a:rPr lang="es-MX" dirty="0"/>
               <a:t>Percepciones</a:t>
             </a:r>
-            <a:endParaRPr lang="es-MX" dirty="0"/>
           </a:p>
         </p:txBody>
       </p:sp>
@@ -10960,10 +10869,9 @@
           <a:p>
             <a:pPr algn="ctr"/>
             <a:r>
-              <a:rPr lang="es-MX" dirty="0" smtClean="0"/>
+              <a:rPr lang="es-MX" dirty="0"/>
               <a:t>Acciones</a:t>
             </a:r>
-            <a:endParaRPr lang="es-MX" dirty="0"/>
           </a:p>
         </p:txBody>
       </p:sp>
@@ -11430,16 +11338,15 @@
           <a:lstStyle/>
           <a:p>
             <a:r>
-              <a:rPr lang="es-MX" dirty="0" smtClean="0"/>
+              <a:rPr lang="es-MX" dirty="0"/>
               <a:t>Es la tabla la mejor forma de codificar la función?</a:t>
             </a:r>
           </a:p>
           <a:p>
             <a:r>
-              <a:rPr lang="es-MX" dirty="0" smtClean="0"/>
+              <a:rPr lang="es-MX" dirty="0"/>
               <a:t>Cuales son las ventajas y las desventajas?</a:t>
             </a:r>
-            <a:endParaRPr lang="es-MX" dirty="0"/>
           </a:p>
         </p:txBody>
       </p:sp>
